--- a/Management System and Inventory/hold/rfid architecture.pptx
+++ b/Management System and Inventory/hold/rfid architecture.pptx
@@ -243,7 +243,7 @@
           <a:p>
             <a:fld id="{5840269E-7D4B-4D90-AB3E-B4CE168A5F60}" type="datetimeFigureOut">
               <a:rPr lang="en-GB" smtClean="0"/>
-              <a:t>10/12/2016</a:t>
+              <a:t>16/01/2017</a:t>
             </a:fld>
             <a:endParaRPr lang="en-GB"/>
           </a:p>
@@ -413,7 +413,7 @@
           <a:p>
             <a:fld id="{5840269E-7D4B-4D90-AB3E-B4CE168A5F60}" type="datetimeFigureOut">
               <a:rPr lang="en-GB" smtClean="0"/>
-              <a:t>10/12/2016</a:t>
+              <a:t>16/01/2017</a:t>
             </a:fld>
             <a:endParaRPr lang="en-GB"/>
           </a:p>
@@ -593,7 +593,7 @@
           <a:p>
             <a:fld id="{5840269E-7D4B-4D90-AB3E-B4CE168A5F60}" type="datetimeFigureOut">
               <a:rPr lang="en-GB" smtClean="0"/>
-              <a:t>10/12/2016</a:t>
+              <a:t>16/01/2017</a:t>
             </a:fld>
             <a:endParaRPr lang="en-GB"/>
           </a:p>
@@ -763,7 +763,7 @@
           <a:p>
             <a:fld id="{5840269E-7D4B-4D90-AB3E-B4CE168A5F60}" type="datetimeFigureOut">
               <a:rPr lang="en-GB" smtClean="0"/>
-              <a:t>10/12/2016</a:t>
+              <a:t>16/01/2017</a:t>
             </a:fld>
             <a:endParaRPr lang="en-GB"/>
           </a:p>
@@ -1009,7 +1009,7 @@
           <a:p>
             <a:fld id="{5840269E-7D4B-4D90-AB3E-B4CE168A5F60}" type="datetimeFigureOut">
               <a:rPr lang="en-GB" smtClean="0"/>
-              <a:t>10/12/2016</a:t>
+              <a:t>16/01/2017</a:t>
             </a:fld>
             <a:endParaRPr lang="en-GB"/>
           </a:p>
@@ -1241,7 +1241,7 @@
           <a:p>
             <a:fld id="{5840269E-7D4B-4D90-AB3E-B4CE168A5F60}" type="datetimeFigureOut">
               <a:rPr lang="en-GB" smtClean="0"/>
-              <a:t>10/12/2016</a:t>
+              <a:t>16/01/2017</a:t>
             </a:fld>
             <a:endParaRPr lang="en-GB"/>
           </a:p>
@@ -1608,7 +1608,7 @@
           <a:p>
             <a:fld id="{5840269E-7D4B-4D90-AB3E-B4CE168A5F60}" type="datetimeFigureOut">
               <a:rPr lang="en-GB" smtClean="0"/>
-              <a:t>10/12/2016</a:t>
+              <a:t>16/01/2017</a:t>
             </a:fld>
             <a:endParaRPr lang="en-GB"/>
           </a:p>
@@ -1726,7 +1726,7 @@
           <a:p>
             <a:fld id="{5840269E-7D4B-4D90-AB3E-B4CE168A5F60}" type="datetimeFigureOut">
               <a:rPr lang="en-GB" smtClean="0"/>
-              <a:t>10/12/2016</a:t>
+              <a:t>16/01/2017</a:t>
             </a:fld>
             <a:endParaRPr lang="en-GB"/>
           </a:p>
@@ -1821,7 +1821,7 @@
           <a:p>
             <a:fld id="{5840269E-7D4B-4D90-AB3E-B4CE168A5F60}" type="datetimeFigureOut">
               <a:rPr lang="en-GB" smtClean="0"/>
-              <a:t>10/12/2016</a:t>
+              <a:t>16/01/2017</a:t>
             </a:fld>
             <a:endParaRPr lang="en-GB"/>
           </a:p>
@@ -2098,7 +2098,7 @@
           <a:p>
             <a:fld id="{5840269E-7D4B-4D90-AB3E-B4CE168A5F60}" type="datetimeFigureOut">
               <a:rPr lang="en-GB" smtClean="0"/>
-              <a:t>10/12/2016</a:t>
+              <a:t>16/01/2017</a:t>
             </a:fld>
             <a:endParaRPr lang="en-GB"/>
           </a:p>
@@ -2351,7 +2351,7 @@
           <a:p>
             <a:fld id="{5840269E-7D4B-4D90-AB3E-B4CE168A5F60}" type="datetimeFigureOut">
               <a:rPr lang="en-GB" smtClean="0"/>
-              <a:t>10/12/2016</a:t>
+              <a:t>16/01/2017</a:t>
             </a:fld>
             <a:endParaRPr lang="en-GB"/>
           </a:p>
@@ -2564,7 +2564,7 @@
           <a:p>
             <a:fld id="{5840269E-7D4B-4D90-AB3E-B4CE168A5F60}" type="datetimeFigureOut">
               <a:rPr lang="en-GB" smtClean="0"/>
-              <a:t>10/12/2016</a:t>
+              <a:t>16/01/2017</a:t>
             </a:fld>
             <a:endParaRPr lang="en-GB"/>
           </a:p>
@@ -2971,7 +2971,7 @@
       </p:grpSpPr>
       <p:pic>
         <p:nvPicPr>
-          <p:cNvPr id="4" name="Picture 3"/>
+          <p:cNvPr id="5" name="Picture 4"/>
           <p:cNvPicPr>
             <a:picLocks noChangeAspect="1"/>
           </p:cNvPicPr>
@@ -2991,8 +2991,8 @@
         </p:blipFill>
         <p:spPr>
           <a:xfrm>
-            <a:off x="1664892" y="847078"/>
-            <a:ext cx="810768" cy="1905000"/>
+            <a:off x="4407767" y="1122065"/>
+            <a:ext cx="1133650" cy="1133650"/>
           </a:xfrm>
           <a:prstGeom prst="rect">
             <a:avLst/>
@@ -3001,7 +3001,7 @@
       </p:pic>
       <p:pic>
         <p:nvPicPr>
-          <p:cNvPr id="5" name="Picture 4"/>
+          <p:cNvPr id="6" name="Picture 5"/>
           <p:cNvPicPr>
             <a:picLocks noChangeAspect="1"/>
           </p:cNvPicPr>
@@ -3021,8 +3021,8 @@
         </p:blipFill>
         <p:spPr>
           <a:xfrm>
-            <a:off x="4407767" y="1122065"/>
-            <a:ext cx="1133650" cy="1133650"/>
+            <a:off x="9127904" y="1226902"/>
+            <a:ext cx="1145351" cy="1145351"/>
           </a:xfrm>
           <a:prstGeom prst="rect">
             <a:avLst/>
@@ -3031,7 +3031,7 @@
       </p:pic>
       <p:pic>
         <p:nvPicPr>
-          <p:cNvPr id="6" name="Picture 5"/>
+          <p:cNvPr id="7" name="Picture 6"/>
           <p:cNvPicPr>
             <a:picLocks noChangeAspect="1"/>
           </p:cNvPicPr>
@@ -3051,8 +3051,8 @@
         </p:blipFill>
         <p:spPr>
           <a:xfrm>
-            <a:off x="9127904" y="1226902"/>
-            <a:ext cx="1145351" cy="1145351"/>
+            <a:off x="9212782" y="4390246"/>
+            <a:ext cx="1165462" cy="1165462"/>
           </a:xfrm>
           <a:prstGeom prst="rect">
             <a:avLst/>
@@ -3061,7 +3061,7 @@
       </p:pic>
       <p:pic>
         <p:nvPicPr>
-          <p:cNvPr id="7" name="Picture 6"/>
+          <p:cNvPr id="8" name="Picture 7"/>
           <p:cNvPicPr>
             <a:picLocks noChangeAspect="1"/>
           </p:cNvPicPr>
@@ -3081,36 +3081,6 @@
         </p:blipFill>
         <p:spPr>
           <a:xfrm>
-            <a:off x="9212782" y="4390246"/>
-            <a:ext cx="1165462" cy="1165462"/>
-          </a:xfrm>
-          <a:prstGeom prst="rect">
-            <a:avLst/>
-          </a:prstGeom>
-        </p:spPr>
-      </p:pic>
-      <p:pic>
-        <p:nvPicPr>
-          <p:cNvPr id="8" name="Picture 7"/>
-          <p:cNvPicPr>
-            <a:picLocks noChangeAspect="1"/>
-          </p:cNvPicPr>
-          <p:nvPr/>
-        </p:nvPicPr>
-        <p:blipFill>
-          <a:blip r:embed="rId6">
-            <a:extLst>
-              <a:ext uri="{28A0092B-C50C-407E-A947-70E740481C1C}">
-                <a14:useLocalDpi xmlns:a14="http://schemas.microsoft.com/office/drawing/2010/main" val="0"/>
-              </a:ext>
-            </a:extLst>
-          </a:blip>
-          <a:stretch>
-            <a:fillRect/>
-          </a:stretch>
-        </p:blipFill>
-        <p:spPr>
-          <a:xfrm>
             <a:off x="5772400" y="4446861"/>
             <a:ext cx="1142528" cy="1142528"/>
           </a:xfrm>
@@ -3128,7 +3098,7 @@
           <p:nvPr/>
         </p:nvPicPr>
         <p:blipFill>
-          <a:blip r:embed="rId7">
+          <a:blip r:embed="rId6">
             <a:extLst>
               <a:ext uri="{28A0092B-C50C-407E-A947-70E740481C1C}">
                 <a14:useLocalDpi xmlns:a14="http://schemas.microsoft.com/office/drawing/2010/main" val="0"/>
@@ -3622,7 +3592,7 @@
           <p:nvPr/>
         </p:nvPicPr>
         <p:blipFill>
-          <a:blip r:embed="rId8">
+          <a:blip r:embed="rId7">
             <a:extLst>
               <a:ext uri="{28A0092B-C50C-407E-A947-70E740481C1C}">
                 <a14:useLocalDpi xmlns:a14="http://schemas.microsoft.com/office/drawing/2010/main" val="0"/>
@@ -3859,6 +3829,36 @@
           </a:p>
         </p:txBody>
       </p:sp>
+      <p:pic>
+        <p:nvPicPr>
+          <p:cNvPr id="10" name="Picture 9"/>
+          <p:cNvPicPr>
+            <a:picLocks noChangeAspect="1"/>
+          </p:cNvPicPr>
+          <p:nvPr/>
+        </p:nvPicPr>
+        <p:blipFill>
+          <a:blip r:embed="rId8">
+            <a:extLst>
+              <a:ext uri="{28A0092B-C50C-407E-A947-70E740481C1C}">
+                <a14:useLocalDpi xmlns:a14="http://schemas.microsoft.com/office/drawing/2010/main" val="0"/>
+              </a:ext>
+            </a:extLst>
+          </a:blip>
+          <a:stretch>
+            <a:fillRect/>
+          </a:stretch>
+        </p:blipFill>
+        <p:spPr>
+          <a:xfrm>
+            <a:off x="1449497" y="941466"/>
+            <a:ext cx="1054279" cy="1584748"/>
+          </a:xfrm>
+          <a:prstGeom prst="rect">
+            <a:avLst/>
+          </a:prstGeom>
+        </p:spPr>
+      </p:pic>
     </p:spTree>
     <p:extLst>
       <p:ext uri="{BB962C8B-B14F-4D97-AF65-F5344CB8AC3E}">
